--- a/课程/第5章 无人驾驶小车老白/第2节 无人驾驶数据采集、训练与测试/第2节-教学PPT.pptx
+++ b/课程/第5章 无人驾驶小车老白/第2节 无人驾驶数据采集、训练与测试/第2节-教学PPT.pptx
@@ -3156,7 +3156,7 @@
           <a:p>
             <a:fld id="{F758C255-79C3-45A8-945E-2C61C3C6BAA9}" type="datetimeFigureOut">
               <a:rPr lang="zh-CN" altLang="en-US" smtClean="0"/>
-              <a:t>2019/8/26</a:t>
+              <a:t>2019/11/25</a:t>
             </a:fld>
             <a:endParaRPr lang="zh-CN" altLang="en-US"/>
           </a:p>
@@ -4877,7 +4877,7 @@
           <a:p>
             <a:fld id="{276664BA-FAEB-42F3-A8BE-09D6F18B1435}" type="datetimeFigureOut">
               <a:rPr lang="zh-CN" altLang="en-US" smtClean="0"/>
-              <a:t>2019/8/26</a:t>
+              <a:t>2019/11/25</a:t>
             </a:fld>
             <a:endParaRPr lang="zh-CN" altLang="en-US"/>
           </a:p>
@@ -6009,10 +6009,10 @@
       </p:sp>
       <p:sp>
         <p:nvSpPr>
-          <p:cNvPr id="2" name="矩形 1">
+          <p:cNvPr id="4" name="矩形 3">
             <a:extLst>
               <a:ext uri="{FF2B5EF4-FFF2-40B4-BE49-F238E27FC236}">
-                <a16:creationId xmlns:a16="http://schemas.microsoft.com/office/drawing/2014/main" id="{983ADA4B-9DC8-492B-A5D8-F891D4F54561}"/>
+                <a16:creationId xmlns:a16="http://schemas.microsoft.com/office/drawing/2014/main" id="{6C308C44-E7DD-4A66-B677-8382DF7CF233}"/>
               </a:ext>
             </a:extLst>
           </p:cNvPr>
@@ -6021,8 +6021,8 @@
         </p:nvSpPr>
         <p:spPr>
           <a:xfrm>
-            <a:off x="1998132" y="1884740"/>
-            <a:ext cx="7704667" cy="369332"/>
+            <a:off x="1142731" y="1719968"/>
+            <a:ext cx="9906537" cy="3170099"/>
           </a:xfrm>
           <a:prstGeom prst="rect">
             <a:avLst/>
@@ -6035,15 +6035,222 @@
           <a:lstStyle/>
           <a:p>
             <a:r>
-              <a:rPr lang="zh-CN" altLang="en-US" dirty="0">
+              <a:rPr lang="en-US" altLang="zh-CN" sz="2000" kern="0" dirty="0">
                 <a:solidFill>
-                  <a:srgbClr val="FF0000"/>
+                  <a:srgbClr val="F08300"/>
                 </a:solidFill>
                 <a:latin typeface="黑体" panose="02010609060101010101" pitchFamily="49" charset="-122"/>
                 <a:ea typeface="黑体" panose="02010609060101010101" pitchFamily="49" charset="-122"/>
+                <a:cs typeface="Arial" panose="020B0604020202020204" pitchFamily="34" charset="0"/>
               </a:rPr>
-              <a:t>需要补充</a:t>
+              <a:t>1.</a:t>
             </a:r>
+            <a:r>
+              <a:rPr lang="zh-CN" altLang="en-US" sz="2000" kern="0" dirty="0">
+                <a:solidFill>
+                  <a:srgbClr val="F08300"/>
+                </a:solidFill>
+                <a:latin typeface="黑体" panose="02010609060101010101" pitchFamily="49" charset="-122"/>
+                <a:ea typeface="黑体" panose="02010609060101010101" pitchFamily="49" charset="-122"/>
+                <a:cs typeface="Arial" panose="020B0604020202020204" pitchFamily="34" charset="0"/>
+              </a:rPr>
+              <a:t>打开终端，执行以下命令</a:t>
+            </a:r>
+            <a:endParaRPr lang="en-US" altLang="zh-CN" sz="2000" kern="0" dirty="0">
+              <a:solidFill>
+                <a:srgbClr val="F08300"/>
+              </a:solidFill>
+              <a:latin typeface="黑体" panose="02010609060101010101" pitchFamily="49" charset="-122"/>
+              <a:ea typeface="黑体" panose="02010609060101010101" pitchFamily="49" charset="-122"/>
+              <a:cs typeface="Arial" panose="020B0604020202020204" pitchFamily="34" charset="0"/>
+            </a:endParaRPr>
+          </a:p>
+          <a:p>
+            <a:r>
+              <a:rPr lang="en-US" altLang="zh-CN" sz="2000" kern="0" dirty="0">
+                <a:solidFill>
+                  <a:srgbClr val="F08300"/>
+                </a:solidFill>
+                <a:latin typeface="黑体" panose="02010609060101010101" pitchFamily="49" charset="-122"/>
+                <a:ea typeface="黑体" panose="02010609060101010101" pitchFamily="49" charset="-122"/>
+                <a:cs typeface="Arial" panose="020B0604020202020204" pitchFamily="34" charset="0"/>
+              </a:rPr>
+              <a:t>cd ~/Desktop/learn-ai/chapter5/</a:t>
+            </a:r>
+            <a:r>
+              <a:rPr lang="en-US" altLang="zh-CN" sz="2000" kern="0" dirty="0" err="1">
+                <a:solidFill>
+                  <a:srgbClr val="F08300"/>
+                </a:solidFill>
+                <a:latin typeface="黑体" panose="02010609060101010101" pitchFamily="49" charset="-122"/>
+                <a:ea typeface="黑体" panose="02010609060101010101" pitchFamily="49" charset="-122"/>
+                <a:cs typeface="Arial" panose="020B0604020202020204" pitchFamily="34" charset="0"/>
+              </a:rPr>
+              <a:t>SelfDrivingCar</a:t>
+            </a:r>
+            <a:endParaRPr lang="en-US" altLang="zh-CN" sz="2000" kern="0" dirty="0">
+              <a:solidFill>
+                <a:srgbClr val="F08300"/>
+              </a:solidFill>
+              <a:latin typeface="黑体" panose="02010609060101010101" pitchFamily="49" charset="-122"/>
+              <a:ea typeface="黑体" panose="02010609060101010101" pitchFamily="49" charset="-122"/>
+              <a:cs typeface="Arial" panose="020B0604020202020204" pitchFamily="34" charset="0"/>
+            </a:endParaRPr>
+          </a:p>
+          <a:p>
+            <a:r>
+              <a:rPr lang="en-US" altLang="zh-CN" sz="2000" kern="0" dirty="0">
+                <a:solidFill>
+                  <a:srgbClr val="F08300"/>
+                </a:solidFill>
+                <a:latin typeface="黑体" panose="02010609060101010101" pitchFamily="49" charset="-122"/>
+                <a:ea typeface="黑体" panose="02010609060101010101" pitchFamily="49" charset="-122"/>
+                <a:cs typeface="Arial" panose="020B0604020202020204" pitchFamily="34" charset="0"/>
+              </a:rPr>
+              <a:t>cd computer</a:t>
+            </a:r>
+          </a:p>
+          <a:p>
+            <a:r>
+              <a:rPr lang="en-US" altLang="zh-CN" sz="2000" kern="0" dirty="0">
+                <a:solidFill>
+                  <a:srgbClr val="F08300"/>
+                </a:solidFill>
+                <a:latin typeface="黑体" panose="02010609060101010101" pitchFamily="49" charset="-122"/>
+                <a:ea typeface="黑体" panose="02010609060101010101" pitchFamily="49" charset="-122"/>
+                <a:cs typeface="Arial" panose="020B0604020202020204" pitchFamily="34" charset="0"/>
+              </a:rPr>
+              <a:t>python3 collect_training_data.py</a:t>
+            </a:r>
+          </a:p>
+          <a:p>
+            <a:endParaRPr lang="en-US" altLang="zh-CN" sz="2000" kern="0" dirty="0">
+              <a:solidFill>
+                <a:srgbClr val="F08300"/>
+              </a:solidFill>
+              <a:latin typeface="黑体" panose="02010609060101010101" pitchFamily="49" charset="-122"/>
+              <a:ea typeface="黑体" panose="02010609060101010101" pitchFamily="49" charset="-122"/>
+              <a:cs typeface="Arial" panose="020B0604020202020204" pitchFamily="34" charset="0"/>
+            </a:endParaRPr>
+          </a:p>
+          <a:p>
+            <a:r>
+              <a:rPr lang="en-US" altLang="zh-CN" sz="2000" kern="0" dirty="0">
+                <a:solidFill>
+                  <a:srgbClr val="F08300"/>
+                </a:solidFill>
+                <a:latin typeface="黑体" panose="02010609060101010101" pitchFamily="49" charset="-122"/>
+                <a:ea typeface="黑体" panose="02010609060101010101" pitchFamily="49" charset="-122"/>
+                <a:cs typeface="Arial" panose="020B0604020202020204" pitchFamily="34" charset="0"/>
+              </a:rPr>
+              <a:t>2.</a:t>
+            </a:r>
+            <a:r>
+              <a:rPr lang="zh-CN" altLang="en-US" sz="2000" kern="0" dirty="0">
+                <a:solidFill>
+                  <a:srgbClr val="F08300"/>
+                </a:solidFill>
+                <a:latin typeface="黑体" panose="02010609060101010101" pitchFamily="49" charset="-122"/>
+                <a:ea typeface="黑体" panose="02010609060101010101" pitchFamily="49" charset="-122"/>
+                <a:cs typeface="Arial" panose="020B0604020202020204" pitchFamily="34" charset="0"/>
+              </a:rPr>
+              <a:t>新建一个终端窗口</a:t>
+            </a:r>
+            <a:endParaRPr lang="en-US" altLang="zh-CN" sz="2000" kern="0" dirty="0">
+              <a:solidFill>
+                <a:srgbClr val="F08300"/>
+              </a:solidFill>
+              <a:latin typeface="黑体" panose="02010609060101010101" pitchFamily="49" charset="-122"/>
+              <a:ea typeface="黑体" panose="02010609060101010101" pitchFamily="49" charset="-122"/>
+              <a:cs typeface="Arial" panose="020B0604020202020204" pitchFamily="34" charset="0"/>
+            </a:endParaRPr>
+          </a:p>
+          <a:p>
+            <a:r>
+              <a:rPr lang="en-US" altLang="zh-CN" sz="2000" kern="0" dirty="0">
+                <a:solidFill>
+                  <a:srgbClr val="F08300"/>
+                </a:solidFill>
+                <a:latin typeface="黑体" panose="02010609060101010101" pitchFamily="49" charset="-122"/>
+                <a:ea typeface="黑体" panose="02010609060101010101" pitchFamily="49" charset="-122"/>
+                <a:cs typeface="Arial" panose="020B0604020202020204" pitchFamily="34" charset="0"/>
+              </a:rPr>
+              <a:t>cd ~/Desktop/learn-ai/chapter5/</a:t>
+            </a:r>
+            <a:r>
+              <a:rPr lang="en-US" altLang="zh-CN" sz="2000" kern="0" dirty="0" err="1">
+                <a:solidFill>
+                  <a:srgbClr val="F08300"/>
+                </a:solidFill>
+                <a:latin typeface="黑体" panose="02010609060101010101" pitchFamily="49" charset="-122"/>
+                <a:ea typeface="黑体" panose="02010609060101010101" pitchFamily="49" charset="-122"/>
+                <a:cs typeface="Arial" panose="020B0604020202020204" pitchFamily="34" charset="0"/>
+              </a:rPr>
+              <a:t>SelfDrivingCar</a:t>
+            </a:r>
+            <a:endParaRPr lang="en-US" altLang="zh-CN" sz="2000" kern="0" dirty="0">
+              <a:solidFill>
+                <a:srgbClr val="F08300"/>
+              </a:solidFill>
+              <a:latin typeface="黑体" panose="02010609060101010101" pitchFamily="49" charset="-122"/>
+              <a:ea typeface="黑体" panose="02010609060101010101" pitchFamily="49" charset="-122"/>
+              <a:cs typeface="Arial" panose="020B0604020202020204" pitchFamily="34" charset="0"/>
+            </a:endParaRPr>
+          </a:p>
+          <a:p>
+            <a:r>
+              <a:rPr lang="en-US" altLang="zh-CN" sz="2000" kern="0" dirty="0">
+                <a:solidFill>
+                  <a:srgbClr val="F08300"/>
+                </a:solidFill>
+                <a:latin typeface="黑体" panose="02010609060101010101" pitchFamily="49" charset="-122"/>
+                <a:ea typeface="黑体" panose="02010609060101010101" pitchFamily="49" charset="-122"/>
+                <a:cs typeface="Arial" panose="020B0604020202020204" pitchFamily="34" charset="0"/>
+              </a:rPr>
+              <a:t>cd </a:t>
+            </a:r>
+            <a:r>
+              <a:rPr lang="en-US" altLang="zh-CN" sz="2000" kern="0" dirty="0" err="1">
+                <a:solidFill>
+                  <a:srgbClr val="F08300"/>
+                </a:solidFill>
+                <a:latin typeface="黑体" panose="02010609060101010101" pitchFamily="49" charset="-122"/>
+                <a:ea typeface="黑体" panose="02010609060101010101" pitchFamily="49" charset="-122"/>
+                <a:cs typeface="Arial" panose="020B0604020202020204" pitchFamily="34" charset="0"/>
+              </a:rPr>
+              <a:t>raspberryPi</a:t>
+            </a:r>
+            <a:endParaRPr lang="en-US" altLang="zh-CN" sz="2000" kern="0" dirty="0">
+              <a:solidFill>
+                <a:srgbClr val="F08300"/>
+              </a:solidFill>
+              <a:latin typeface="黑体" panose="02010609060101010101" pitchFamily="49" charset="-122"/>
+              <a:ea typeface="黑体" panose="02010609060101010101" pitchFamily="49" charset="-122"/>
+              <a:cs typeface="Arial" panose="020B0604020202020204" pitchFamily="34" charset="0"/>
+            </a:endParaRPr>
+          </a:p>
+          <a:p>
+            <a:r>
+              <a:rPr lang="en-US" altLang="zh-CN" sz="2000" kern="0" dirty="0">
+                <a:solidFill>
+                  <a:srgbClr val="F08300"/>
+                </a:solidFill>
+                <a:latin typeface="黑体" panose="02010609060101010101" pitchFamily="49" charset="-122"/>
+                <a:ea typeface="黑体" panose="02010609060101010101" pitchFamily="49" charset="-122"/>
+                <a:cs typeface="Arial" panose="020B0604020202020204" pitchFamily="34" charset="0"/>
+              </a:rPr>
+              <a:t>python3 stream_client.py</a:t>
+            </a:r>
+          </a:p>
+          <a:p>
+            <a:endParaRPr lang="zh-CN" altLang="en-US" sz="2000" kern="0" dirty="0">
+              <a:solidFill>
+                <a:srgbClr val="F08300"/>
+              </a:solidFill>
+              <a:latin typeface="黑体" panose="02010609060101010101" pitchFamily="49" charset="-122"/>
+              <a:ea typeface="黑体" panose="02010609060101010101" pitchFamily="49" charset="-122"/>
+              <a:cs typeface="Arial" panose="020B0604020202020204" pitchFamily="34" charset="0"/>
+            </a:endParaRPr>
           </a:p>
         </p:txBody>
       </p:sp>
